--- a/doc/presentation/Care Connect.pptx
+++ b/doc/presentation/Care Connect.pptx
@@ -20,6 +20,7 @@
     <p:sldId id="272" r:id="rId14"/>
     <p:sldId id="269" r:id="rId15"/>
     <p:sldId id="268" r:id="rId16"/>
+    <p:sldId id="273" r:id="rId17"/>
   </p:sldIdLst>
   <p:sldSz cx="12192000" cy="6858000"/>
   <p:notesSz cx="6858000" cy="9144000"/>
@@ -118,13 +119,18 @@
       </a:defRPr>
     </a:lvl9pPr>
   </p:defaultTextStyle>
+  <p:extLst>
+    <p:ext uri="{EFAFB233-063F-42B5-8137-9DF3F51BA10A}">
+      <p15:sldGuideLst xmlns:p15="http://schemas.microsoft.com/office/powerpoint/2012/main"/>
+    </p:ext>
+  </p:extLst>
 </p:presentation>
 </file>
 
 <file path=ppt/revisionInfo.xml><?xml version="1.0" encoding="utf-8"?>
 <p1510:revInfo xmlns:a="http://schemas.openxmlformats.org/drawingml/2006/main" xmlns:r="http://schemas.openxmlformats.org/officeDocument/2006/relationships" xmlns:p1510="http://schemas.microsoft.com/office/powerpoint/2015/10/main">
   <p1510:revLst>
-    <p1510:client id="{1F95C589-D51D-4905-83A3-81D2581095DF}" v="4" dt="2024-01-07T20:08:10.764"/>
+    <p1510:client id="{1F95C589-D51D-4905-83A3-81D2581095DF}" v="5" dt="2024-01-08T02:58:30.138"/>
   </p1510:revLst>
 </p1510:revInfo>
 </file>
@@ -331,6 +337,30 @@
       </pc:sldChg>
     </pc:docChg>
   </pc:docChgLst>
+  <pc:docChgLst>
+    <pc:chgData name="Sandeep Maggo" userId="d90ff96be3637297" providerId="LiveId" clId="{1F95C589-D51D-4905-83A3-81D2581095DF}"/>
+    <pc:docChg chg="addSld modSld">
+      <pc:chgData name="Sandeep Maggo" userId="d90ff96be3637297" providerId="LiveId" clId="{1F95C589-D51D-4905-83A3-81D2581095DF}" dt="2024-01-08T02:58:45.989" v="37" actId="20577"/>
+      <pc:docMkLst>
+        <pc:docMk/>
+      </pc:docMkLst>
+      <pc:sldChg chg="modSp add mod">
+        <pc:chgData name="Sandeep Maggo" userId="d90ff96be3637297" providerId="LiveId" clId="{1F95C589-D51D-4905-83A3-81D2581095DF}" dt="2024-01-08T02:58:45.989" v="37" actId="20577"/>
+        <pc:sldMkLst>
+          <pc:docMk/>
+          <pc:sldMk cId="1677368811" sldId="273"/>
+        </pc:sldMkLst>
+        <pc:spChg chg="mod">
+          <ac:chgData name="Sandeep Maggo" userId="d90ff96be3637297" providerId="LiveId" clId="{1F95C589-D51D-4905-83A3-81D2581095DF}" dt="2024-01-08T02:58:45.989" v="37" actId="20577"/>
+          <ac:spMkLst>
+            <pc:docMk/>
+            <pc:sldMk cId="1677368811" sldId="273"/>
+            <ac:spMk id="2" creationId="{E370BAE7-D9B1-5021-DD71-9F8E645C783B}"/>
+          </ac:spMkLst>
+        </pc:spChg>
+      </pc:sldChg>
+    </pc:docChg>
+  </pc:docChgLst>
 </pc:chgInfo>
 </file>
 
@@ -481,7 +511,7 @@
           <a:p>
             <a:fld id="{5DBB3301-3368-48DB-89E4-CBEE2183E2F1}" type="datetimeFigureOut">
               <a:rPr lang="en-US" smtClean="0"/>
-              <a:t>1/6/2024</a:t>
+              <a:t>1/7/2024</a:t>
             </a:fld>
             <a:endParaRPr lang="en-US"/>
           </a:p>
@@ -679,7 +709,7 @@
           <a:p>
             <a:fld id="{5DBB3301-3368-48DB-89E4-CBEE2183E2F1}" type="datetimeFigureOut">
               <a:rPr lang="en-US" smtClean="0"/>
-              <a:t>1/6/2024</a:t>
+              <a:t>1/7/2024</a:t>
             </a:fld>
             <a:endParaRPr lang="en-US"/>
           </a:p>
@@ -887,7 +917,7 @@
           <a:p>
             <a:fld id="{5DBB3301-3368-48DB-89E4-CBEE2183E2F1}" type="datetimeFigureOut">
               <a:rPr lang="en-US" smtClean="0"/>
-              <a:t>1/6/2024</a:t>
+              <a:t>1/7/2024</a:t>
             </a:fld>
             <a:endParaRPr lang="en-US"/>
           </a:p>
@@ -1085,7 +1115,7 @@
           <a:p>
             <a:fld id="{5DBB3301-3368-48DB-89E4-CBEE2183E2F1}" type="datetimeFigureOut">
               <a:rPr lang="en-US" smtClean="0"/>
-              <a:t>1/6/2024</a:t>
+              <a:t>1/7/2024</a:t>
             </a:fld>
             <a:endParaRPr lang="en-US"/>
           </a:p>
@@ -1360,7 +1390,7 @@
           <a:p>
             <a:fld id="{5DBB3301-3368-48DB-89E4-CBEE2183E2F1}" type="datetimeFigureOut">
               <a:rPr lang="en-US" smtClean="0"/>
-              <a:t>1/6/2024</a:t>
+              <a:t>1/7/2024</a:t>
             </a:fld>
             <a:endParaRPr lang="en-US"/>
           </a:p>
@@ -1625,7 +1655,7 @@
           <a:p>
             <a:fld id="{5DBB3301-3368-48DB-89E4-CBEE2183E2F1}" type="datetimeFigureOut">
               <a:rPr lang="en-US" smtClean="0"/>
-              <a:t>1/6/2024</a:t>
+              <a:t>1/7/2024</a:t>
             </a:fld>
             <a:endParaRPr lang="en-US"/>
           </a:p>
@@ -2037,7 +2067,7 @@
           <a:p>
             <a:fld id="{5DBB3301-3368-48DB-89E4-CBEE2183E2F1}" type="datetimeFigureOut">
               <a:rPr lang="en-US" smtClean="0"/>
-              <a:t>1/6/2024</a:t>
+              <a:t>1/7/2024</a:t>
             </a:fld>
             <a:endParaRPr lang="en-US"/>
           </a:p>
@@ -2178,7 +2208,7 @@
           <a:p>
             <a:fld id="{5DBB3301-3368-48DB-89E4-CBEE2183E2F1}" type="datetimeFigureOut">
               <a:rPr lang="en-US" smtClean="0"/>
-              <a:t>1/6/2024</a:t>
+              <a:t>1/7/2024</a:t>
             </a:fld>
             <a:endParaRPr lang="en-US"/>
           </a:p>
@@ -2291,7 +2321,7 @@
           <a:p>
             <a:fld id="{5DBB3301-3368-48DB-89E4-CBEE2183E2F1}" type="datetimeFigureOut">
               <a:rPr lang="en-US" smtClean="0"/>
-              <a:t>1/6/2024</a:t>
+              <a:t>1/7/2024</a:t>
             </a:fld>
             <a:endParaRPr lang="en-US"/>
           </a:p>
@@ -2602,7 +2632,7 @@
           <a:p>
             <a:fld id="{5DBB3301-3368-48DB-89E4-CBEE2183E2F1}" type="datetimeFigureOut">
               <a:rPr lang="en-US" smtClean="0"/>
-              <a:t>1/6/2024</a:t>
+              <a:t>1/7/2024</a:t>
             </a:fld>
             <a:endParaRPr lang="en-US"/>
           </a:p>
@@ -2890,7 +2920,7 @@
           <a:p>
             <a:fld id="{5DBB3301-3368-48DB-89E4-CBEE2183E2F1}" type="datetimeFigureOut">
               <a:rPr lang="en-US" smtClean="0"/>
-              <a:t>1/6/2024</a:t>
+              <a:t>1/7/2024</a:t>
             </a:fld>
             <a:endParaRPr lang="en-US"/>
           </a:p>
@@ -3131,7 +3161,7 @@
           <a:p>
             <a:fld id="{5DBB3301-3368-48DB-89E4-CBEE2183E2F1}" type="datetimeFigureOut">
               <a:rPr lang="en-US" smtClean="0"/>
-              <a:t>1/6/2024</a:t>
+              <a:t>1/7/2024</a:t>
             </a:fld>
             <a:endParaRPr lang="en-US"/>
           </a:p>
@@ -4127,7 +4157,7 @@
         </p:nvSpPr>
         <p:spPr>
           <a:xfrm>
-            <a:off x="940836" y="500062"/>
+            <a:off x="942975" y="365125"/>
             <a:ext cx="10515600" cy="1325563"/>
           </a:xfrm>
         </p:spPr>
@@ -4200,6 +4230,17 @@
               <a:rPr lang="en-US" dirty="0"/>
               <a:t>Role based navigation</a:t>
             </a:r>
+          </a:p>
+          <a:p>
+            <a:r>
+              <a:rPr lang="en-US" dirty="0"/>
+              <a:t>Finding a good related backdrop for </a:t>
+            </a:r>
+            <a:r>
+              <a:rPr lang="en-US"/>
+              <a:t>home page</a:t>
+            </a:r>
+            <a:endParaRPr lang="en-US" dirty="0"/>
           </a:p>
           <a:p>
             <a:endParaRPr lang="en-US" dirty="0"/>
@@ -4488,6 +4529,102 @@
     <p:extLst>
       <p:ext uri="{BB962C8B-B14F-4D97-AF65-F5344CB8AC3E}">
         <p14:creationId xmlns:p14="http://schemas.microsoft.com/office/powerpoint/2010/main" val="2357958500"/>
+      </p:ext>
+    </p:extLst>
+  </p:cSld>
+  <p:clrMapOvr>
+    <a:masterClrMapping/>
+  </p:clrMapOvr>
+</p:sld>
+</file>
+
+<file path=ppt/slides/slide16.xml><?xml version="1.0" encoding="utf-8"?>
+<p:sld xmlns:a="http://schemas.openxmlformats.org/drawingml/2006/main" xmlns:r="http://schemas.openxmlformats.org/officeDocument/2006/relationships" xmlns:p="http://schemas.openxmlformats.org/presentationml/2006/main">
+  <p:cSld>
+    <p:spTree>
+      <p:nvGrpSpPr>
+        <p:cNvPr id="1" name=""/>
+        <p:cNvGrpSpPr/>
+        <p:nvPr/>
+      </p:nvGrpSpPr>
+      <p:grpSpPr>
+        <a:xfrm>
+          <a:off x="0" y="0"/>
+          <a:ext cx="0" cy="0"/>
+          <a:chOff x="0" y="0"/>
+          <a:chExt cx="0" cy="0"/>
+        </a:xfrm>
+      </p:grpSpPr>
+      <p:sp>
+        <p:nvSpPr>
+          <p:cNvPr id="2" name="Title 1">
+            <a:extLst>
+              <a:ext uri="{FF2B5EF4-FFF2-40B4-BE49-F238E27FC236}">
+                <a16:creationId xmlns:a16="http://schemas.microsoft.com/office/drawing/2014/main" id="{E370BAE7-D9B1-5021-DD71-9F8E645C783B}"/>
+              </a:ext>
+            </a:extLst>
+          </p:cNvPr>
+          <p:cNvSpPr>
+            <a:spLocks noGrp="1"/>
+          </p:cNvSpPr>
+          <p:nvPr>
+            <p:ph type="title"/>
+          </p:nvPr>
+        </p:nvSpPr>
+        <p:spPr/>
+        <p:txBody>
+          <a:bodyPr/>
+          <a:lstStyle/>
+          <a:p>
+            <a:r>
+              <a:rPr lang="en-US" dirty="0"/>
+              <a:t>Q &amp; A ?</a:t>
+            </a:r>
+          </a:p>
+        </p:txBody>
+      </p:sp>
+      <p:pic>
+        <p:nvPicPr>
+          <p:cNvPr id="4" name="Content Placeholder 3" descr="A red heart with text&#10;&#10;Description automatically generated">
+            <a:extLst>
+              <a:ext uri="{FF2B5EF4-FFF2-40B4-BE49-F238E27FC236}">
+                <a16:creationId xmlns:a16="http://schemas.microsoft.com/office/drawing/2014/main" id="{604B3F76-66FC-731A-7ECF-3277A5FF1D8B}"/>
+              </a:ext>
+            </a:extLst>
+          </p:cNvPr>
+          <p:cNvPicPr>
+            <a:picLocks noGrp="1" noChangeAspect="1"/>
+          </p:cNvPicPr>
+          <p:nvPr>
+            <p:ph idx="1"/>
+          </p:nvPr>
+        </p:nvPicPr>
+        <p:blipFill>
+          <a:blip r:embed="rId2">
+            <a:extLst>
+              <a:ext uri="{28A0092B-C50C-407E-A947-70E740481C1C}">
+                <a14:useLocalDpi xmlns:a14="http://schemas.microsoft.com/office/drawing/2010/main" val="0"/>
+              </a:ext>
+            </a:extLst>
+          </a:blip>
+          <a:stretch>
+            <a:fillRect/>
+          </a:stretch>
+        </p:blipFill>
+        <p:spPr>
+          <a:xfrm>
+            <a:off x="3387009" y="648494"/>
+            <a:ext cx="5734050" cy="5734050"/>
+          </a:xfrm>
+          <a:prstGeom prst="rect">
+            <a:avLst/>
+          </a:prstGeom>
+        </p:spPr>
+      </p:pic>
+    </p:spTree>
+    <p:extLst>
+      <p:ext uri="{BB962C8B-B14F-4D97-AF65-F5344CB8AC3E}">
+        <p14:creationId xmlns:p14="http://schemas.microsoft.com/office/powerpoint/2010/main" val="1677368811"/>
       </p:ext>
     </p:extLst>
   </p:cSld>

--- a/doc/presentation/Care Connect.pptx
+++ b/doc/presentation/Care Connect.pptx
@@ -20,7 +20,6 @@
     <p:sldId id="272" r:id="rId14"/>
     <p:sldId id="269" r:id="rId15"/>
     <p:sldId id="268" r:id="rId16"/>
-    <p:sldId id="273" r:id="rId17"/>
   </p:sldIdLst>
   <p:sldSz cx="12192000" cy="6858000"/>
   <p:notesSz cx="6858000" cy="9144000"/>
@@ -119,18 +118,13 @@
       </a:defRPr>
     </a:lvl9pPr>
   </p:defaultTextStyle>
-  <p:extLst>
-    <p:ext uri="{EFAFB233-063F-42B5-8137-9DF3F51BA10A}">
-      <p15:sldGuideLst xmlns:p15="http://schemas.microsoft.com/office/powerpoint/2012/main"/>
-    </p:ext>
-  </p:extLst>
 </p:presentation>
 </file>
 
 <file path=ppt/revisionInfo.xml><?xml version="1.0" encoding="utf-8"?>
 <p1510:revInfo xmlns:a="http://schemas.openxmlformats.org/drawingml/2006/main" xmlns:r="http://schemas.openxmlformats.org/officeDocument/2006/relationships" xmlns:p1510="http://schemas.microsoft.com/office/powerpoint/2015/10/main">
   <p1510:revLst>
-    <p1510:client id="{1F95C589-D51D-4905-83A3-81D2581095DF}" v="5" dt="2024-01-08T02:58:30.138"/>
+    <p1510:client id="{1F95C589-D51D-4905-83A3-81D2581095DF}" v="4" dt="2024-01-07T20:08:10.764"/>
   </p1510:revLst>
 </p1510:revInfo>
 </file>
@@ -337,30 +331,6 @@
       </pc:sldChg>
     </pc:docChg>
   </pc:docChgLst>
-  <pc:docChgLst>
-    <pc:chgData name="Sandeep Maggo" userId="d90ff96be3637297" providerId="LiveId" clId="{1F95C589-D51D-4905-83A3-81D2581095DF}"/>
-    <pc:docChg chg="addSld modSld">
-      <pc:chgData name="Sandeep Maggo" userId="d90ff96be3637297" providerId="LiveId" clId="{1F95C589-D51D-4905-83A3-81D2581095DF}" dt="2024-01-08T02:58:45.989" v="37" actId="20577"/>
-      <pc:docMkLst>
-        <pc:docMk/>
-      </pc:docMkLst>
-      <pc:sldChg chg="modSp add mod">
-        <pc:chgData name="Sandeep Maggo" userId="d90ff96be3637297" providerId="LiveId" clId="{1F95C589-D51D-4905-83A3-81D2581095DF}" dt="2024-01-08T02:58:45.989" v="37" actId="20577"/>
-        <pc:sldMkLst>
-          <pc:docMk/>
-          <pc:sldMk cId="1677368811" sldId="273"/>
-        </pc:sldMkLst>
-        <pc:spChg chg="mod">
-          <ac:chgData name="Sandeep Maggo" userId="d90ff96be3637297" providerId="LiveId" clId="{1F95C589-D51D-4905-83A3-81D2581095DF}" dt="2024-01-08T02:58:45.989" v="37" actId="20577"/>
-          <ac:spMkLst>
-            <pc:docMk/>
-            <pc:sldMk cId="1677368811" sldId="273"/>
-            <ac:spMk id="2" creationId="{E370BAE7-D9B1-5021-DD71-9F8E645C783B}"/>
-          </ac:spMkLst>
-        </pc:spChg>
-      </pc:sldChg>
-    </pc:docChg>
-  </pc:docChgLst>
 </pc:chgInfo>
 </file>
 
@@ -511,7 +481,7 @@
           <a:p>
             <a:fld id="{5DBB3301-3368-48DB-89E4-CBEE2183E2F1}" type="datetimeFigureOut">
               <a:rPr lang="en-US" smtClean="0"/>
-              <a:t>1/7/2024</a:t>
+              <a:t>1/6/2024</a:t>
             </a:fld>
             <a:endParaRPr lang="en-US"/>
           </a:p>
@@ -709,7 +679,7 @@
           <a:p>
             <a:fld id="{5DBB3301-3368-48DB-89E4-CBEE2183E2F1}" type="datetimeFigureOut">
               <a:rPr lang="en-US" smtClean="0"/>
-              <a:t>1/7/2024</a:t>
+              <a:t>1/6/2024</a:t>
             </a:fld>
             <a:endParaRPr lang="en-US"/>
           </a:p>
@@ -917,7 +887,7 @@
           <a:p>
             <a:fld id="{5DBB3301-3368-48DB-89E4-CBEE2183E2F1}" type="datetimeFigureOut">
               <a:rPr lang="en-US" smtClean="0"/>
-              <a:t>1/7/2024</a:t>
+              <a:t>1/6/2024</a:t>
             </a:fld>
             <a:endParaRPr lang="en-US"/>
           </a:p>
@@ -1115,7 +1085,7 @@
           <a:p>
             <a:fld id="{5DBB3301-3368-48DB-89E4-CBEE2183E2F1}" type="datetimeFigureOut">
               <a:rPr lang="en-US" smtClean="0"/>
-              <a:t>1/7/2024</a:t>
+              <a:t>1/6/2024</a:t>
             </a:fld>
             <a:endParaRPr lang="en-US"/>
           </a:p>
@@ -1390,7 +1360,7 @@
           <a:p>
             <a:fld id="{5DBB3301-3368-48DB-89E4-CBEE2183E2F1}" type="datetimeFigureOut">
               <a:rPr lang="en-US" smtClean="0"/>
-              <a:t>1/7/2024</a:t>
+              <a:t>1/6/2024</a:t>
             </a:fld>
             <a:endParaRPr lang="en-US"/>
           </a:p>
@@ -1655,7 +1625,7 @@
           <a:p>
             <a:fld id="{5DBB3301-3368-48DB-89E4-CBEE2183E2F1}" type="datetimeFigureOut">
               <a:rPr lang="en-US" smtClean="0"/>
-              <a:t>1/7/2024</a:t>
+              <a:t>1/6/2024</a:t>
             </a:fld>
             <a:endParaRPr lang="en-US"/>
           </a:p>
@@ -2067,7 +2037,7 @@
           <a:p>
             <a:fld id="{5DBB3301-3368-48DB-89E4-CBEE2183E2F1}" type="datetimeFigureOut">
               <a:rPr lang="en-US" smtClean="0"/>
-              <a:t>1/7/2024</a:t>
+              <a:t>1/6/2024</a:t>
             </a:fld>
             <a:endParaRPr lang="en-US"/>
           </a:p>
@@ -2208,7 +2178,7 @@
           <a:p>
             <a:fld id="{5DBB3301-3368-48DB-89E4-CBEE2183E2F1}" type="datetimeFigureOut">
               <a:rPr lang="en-US" smtClean="0"/>
-              <a:t>1/7/2024</a:t>
+              <a:t>1/6/2024</a:t>
             </a:fld>
             <a:endParaRPr lang="en-US"/>
           </a:p>
@@ -2321,7 +2291,7 @@
           <a:p>
             <a:fld id="{5DBB3301-3368-48DB-89E4-CBEE2183E2F1}" type="datetimeFigureOut">
               <a:rPr lang="en-US" smtClean="0"/>
-              <a:t>1/7/2024</a:t>
+              <a:t>1/6/2024</a:t>
             </a:fld>
             <a:endParaRPr lang="en-US"/>
           </a:p>
@@ -2632,7 +2602,7 @@
           <a:p>
             <a:fld id="{5DBB3301-3368-48DB-89E4-CBEE2183E2F1}" type="datetimeFigureOut">
               <a:rPr lang="en-US" smtClean="0"/>
-              <a:t>1/7/2024</a:t>
+              <a:t>1/6/2024</a:t>
             </a:fld>
             <a:endParaRPr lang="en-US"/>
           </a:p>
@@ -2920,7 +2890,7 @@
           <a:p>
             <a:fld id="{5DBB3301-3368-48DB-89E4-CBEE2183E2F1}" type="datetimeFigureOut">
               <a:rPr lang="en-US" smtClean="0"/>
-              <a:t>1/7/2024</a:t>
+              <a:t>1/6/2024</a:t>
             </a:fld>
             <a:endParaRPr lang="en-US"/>
           </a:p>
@@ -3161,7 +3131,7 @@
           <a:p>
             <a:fld id="{5DBB3301-3368-48DB-89E4-CBEE2183E2F1}" type="datetimeFigureOut">
               <a:rPr lang="en-US" smtClean="0"/>
-              <a:t>1/7/2024</a:t>
+              <a:t>1/6/2024</a:t>
             </a:fld>
             <a:endParaRPr lang="en-US"/>
           </a:p>
@@ -4157,7 +4127,7 @@
         </p:nvSpPr>
         <p:spPr>
           <a:xfrm>
-            <a:off x="942975" y="365125"/>
+            <a:off x="940836" y="500062"/>
             <a:ext cx="10515600" cy="1325563"/>
           </a:xfrm>
         </p:spPr>
@@ -4230,17 +4200,6 @@
               <a:rPr lang="en-US" dirty="0"/>
               <a:t>Role based navigation</a:t>
             </a:r>
-          </a:p>
-          <a:p>
-            <a:r>
-              <a:rPr lang="en-US" dirty="0"/>
-              <a:t>Finding a good related backdrop for </a:t>
-            </a:r>
-            <a:r>
-              <a:rPr lang="en-US"/>
-              <a:t>home page</a:t>
-            </a:r>
-            <a:endParaRPr lang="en-US" dirty="0"/>
           </a:p>
           <a:p>
             <a:endParaRPr lang="en-US" dirty="0"/>
@@ -4529,102 +4488,6 @@
     <p:extLst>
       <p:ext uri="{BB962C8B-B14F-4D97-AF65-F5344CB8AC3E}">
         <p14:creationId xmlns:p14="http://schemas.microsoft.com/office/powerpoint/2010/main" val="2357958500"/>
-      </p:ext>
-    </p:extLst>
-  </p:cSld>
-  <p:clrMapOvr>
-    <a:masterClrMapping/>
-  </p:clrMapOvr>
-</p:sld>
-</file>
-
-<file path=ppt/slides/slide16.xml><?xml version="1.0" encoding="utf-8"?>
-<p:sld xmlns:a="http://schemas.openxmlformats.org/drawingml/2006/main" xmlns:r="http://schemas.openxmlformats.org/officeDocument/2006/relationships" xmlns:p="http://schemas.openxmlformats.org/presentationml/2006/main">
-  <p:cSld>
-    <p:spTree>
-      <p:nvGrpSpPr>
-        <p:cNvPr id="1" name=""/>
-        <p:cNvGrpSpPr/>
-        <p:nvPr/>
-      </p:nvGrpSpPr>
-      <p:grpSpPr>
-        <a:xfrm>
-          <a:off x="0" y="0"/>
-          <a:ext cx="0" cy="0"/>
-          <a:chOff x="0" y="0"/>
-          <a:chExt cx="0" cy="0"/>
-        </a:xfrm>
-      </p:grpSpPr>
-      <p:sp>
-        <p:nvSpPr>
-          <p:cNvPr id="2" name="Title 1">
-            <a:extLst>
-              <a:ext uri="{FF2B5EF4-FFF2-40B4-BE49-F238E27FC236}">
-                <a16:creationId xmlns:a16="http://schemas.microsoft.com/office/drawing/2014/main" id="{E370BAE7-D9B1-5021-DD71-9F8E645C783B}"/>
-              </a:ext>
-            </a:extLst>
-          </p:cNvPr>
-          <p:cNvSpPr>
-            <a:spLocks noGrp="1"/>
-          </p:cNvSpPr>
-          <p:nvPr>
-            <p:ph type="title"/>
-          </p:nvPr>
-        </p:nvSpPr>
-        <p:spPr/>
-        <p:txBody>
-          <a:bodyPr/>
-          <a:lstStyle/>
-          <a:p>
-            <a:r>
-              <a:rPr lang="en-US" dirty="0"/>
-              <a:t>Q &amp; A ?</a:t>
-            </a:r>
-          </a:p>
-        </p:txBody>
-      </p:sp>
-      <p:pic>
-        <p:nvPicPr>
-          <p:cNvPr id="4" name="Content Placeholder 3" descr="A red heart with text&#10;&#10;Description automatically generated">
-            <a:extLst>
-              <a:ext uri="{FF2B5EF4-FFF2-40B4-BE49-F238E27FC236}">
-                <a16:creationId xmlns:a16="http://schemas.microsoft.com/office/drawing/2014/main" id="{604B3F76-66FC-731A-7ECF-3277A5FF1D8B}"/>
-              </a:ext>
-            </a:extLst>
-          </p:cNvPr>
-          <p:cNvPicPr>
-            <a:picLocks noGrp="1" noChangeAspect="1"/>
-          </p:cNvPicPr>
-          <p:nvPr>
-            <p:ph idx="1"/>
-          </p:nvPr>
-        </p:nvPicPr>
-        <p:blipFill>
-          <a:blip r:embed="rId2">
-            <a:extLst>
-              <a:ext uri="{28A0092B-C50C-407E-A947-70E740481C1C}">
-                <a14:useLocalDpi xmlns:a14="http://schemas.microsoft.com/office/drawing/2010/main" val="0"/>
-              </a:ext>
-            </a:extLst>
-          </a:blip>
-          <a:stretch>
-            <a:fillRect/>
-          </a:stretch>
-        </p:blipFill>
-        <p:spPr>
-          <a:xfrm>
-            <a:off x="3387009" y="648494"/>
-            <a:ext cx="5734050" cy="5734050"/>
-          </a:xfrm>
-          <a:prstGeom prst="rect">
-            <a:avLst/>
-          </a:prstGeom>
-        </p:spPr>
-      </p:pic>
-    </p:spTree>
-    <p:extLst>
-      <p:ext uri="{BB962C8B-B14F-4D97-AF65-F5344CB8AC3E}">
-        <p14:creationId xmlns:p14="http://schemas.microsoft.com/office/powerpoint/2010/main" val="1677368811"/>
       </p:ext>
     </p:extLst>
   </p:cSld>

--- a/doc/presentation/Care Connect.pptx
+++ b/doc/presentation/Care Connect.pptx
@@ -20,6 +20,7 @@
     <p:sldId id="272" r:id="rId14"/>
     <p:sldId id="269" r:id="rId15"/>
     <p:sldId id="268" r:id="rId16"/>
+    <p:sldId id="273" r:id="rId17"/>
   </p:sldIdLst>
   <p:sldSz cx="12192000" cy="6858000"/>
   <p:notesSz cx="6858000" cy="9144000"/>
@@ -118,6 +119,11 @@
       </a:defRPr>
     </a:lvl9pPr>
   </p:defaultTextStyle>
+  <p:extLst>
+    <p:ext uri="{EFAFB233-063F-42B5-8137-9DF3F51BA10A}">
+      <p15:sldGuideLst xmlns:p15="http://schemas.microsoft.com/office/powerpoint/2012/main"/>
+    </p:ext>
+  </p:extLst>
 </p:presentation>
 </file>
 
@@ -481,7 +487,7 @@
           <a:p>
             <a:fld id="{5DBB3301-3368-48DB-89E4-CBEE2183E2F1}" type="datetimeFigureOut">
               <a:rPr lang="en-US" smtClean="0"/>
-              <a:t>1/6/2024</a:t>
+              <a:t>1/7/2024</a:t>
             </a:fld>
             <a:endParaRPr lang="en-US"/>
           </a:p>
@@ -679,7 +685,7 @@
           <a:p>
             <a:fld id="{5DBB3301-3368-48DB-89E4-CBEE2183E2F1}" type="datetimeFigureOut">
               <a:rPr lang="en-US" smtClean="0"/>
-              <a:t>1/6/2024</a:t>
+              <a:t>1/7/2024</a:t>
             </a:fld>
             <a:endParaRPr lang="en-US"/>
           </a:p>
@@ -887,7 +893,7 @@
           <a:p>
             <a:fld id="{5DBB3301-3368-48DB-89E4-CBEE2183E2F1}" type="datetimeFigureOut">
               <a:rPr lang="en-US" smtClean="0"/>
-              <a:t>1/6/2024</a:t>
+              <a:t>1/7/2024</a:t>
             </a:fld>
             <a:endParaRPr lang="en-US"/>
           </a:p>
@@ -1085,7 +1091,7 @@
           <a:p>
             <a:fld id="{5DBB3301-3368-48DB-89E4-CBEE2183E2F1}" type="datetimeFigureOut">
               <a:rPr lang="en-US" smtClean="0"/>
-              <a:t>1/6/2024</a:t>
+              <a:t>1/7/2024</a:t>
             </a:fld>
             <a:endParaRPr lang="en-US"/>
           </a:p>
@@ -1360,7 +1366,7 @@
           <a:p>
             <a:fld id="{5DBB3301-3368-48DB-89E4-CBEE2183E2F1}" type="datetimeFigureOut">
               <a:rPr lang="en-US" smtClean="0"/>
-              <a:t>1/6/2024</a:t>
+              <a:t>1/7/2024</a:t>
             </a:fld>
             <a:endParaRPr lang="en-US"/>
           </a:p>
@@ -1625,7 +1631,7 @@
           <a:p>
             <a:fld id="{5DBB3301-3368-48DB-89E4-CBEE2183E2F1}" type="datetimeFigureOut">
               <a:rPr lang="en-US" smtClean="0"/>
-              <a:t>1/6/2024</a:t>
+              <a:t>1/7/2024</a:t>
             </a:fld>
             <a:endParaRPr lang="en-US"/>
           </a:p>
@@ -2037,7 +2043,7 @@
           <a:p>
             <a:fld id="{5DBB3301-3368-48DB-89E4-CBEE2183E2F1}" type="datetimeFigureOut">
               <a:rPr lang="en-US" smtClean="0"/>
-              <a:t>1/6/2024</a:t>
+              <a:t>1/7/2024</a:t>
             </a:fld>
             <a:endParaRPr lang="en-US"/>
           </a:p>
@@ -2178,7 +2184,7 @@
           <a:p>
             <a:fld id="{5DBB3301-3368-48DB-89E4-CBEE2183E2F1}" type="datetimeFigureOut">
               <a:rPr lang="en-US" smtClean="0"/>
-              <a:t>1/6/2024</a:t>
+              <a:t>1/7/2024</a:t>
             </a:fld>
             <a:endParaRPr lang="en-US"/>
           </a:p>
@@ -2291,7 +2297,7 @@
           <a:p>
             <a:fld id="{5DBB3301-3368-48DB-89E4-CBEE2183E2F1}" type="datetimeFigureOut">
               <a:rPr lang="en-US" smtClean="0"/>
-              <a:t>1/6/2024</a:t>
+              <a:t>1/7/2024</a:t>
             </a:fld>
             <a:endParaRPr lang="en-US"/>
           </a:p>
@@ -2602,7 +2608,7 @@
           <a:p>
             <a:fld id="{5DBB3301-3368-48DB-89E4-CBEE2183E2F1}" type="datetimeFigureOut">
               <a:rPr lang="en-US" smtClean="0"/>
-              <a:t>1/6/2024</a:t>
+              <a:t>1/7/2024</a:t>
             </a:fld>
             <a:endParaRPr lang="en-US"/>
           </a:p>
@@ -2890,7 +2896,7 @@
           <a:p>
             <a:fld id="{5DBB3301-3368-48DB-89E4-CBEE2183E2F1}" type="datetimeFigureOut">
               <a:rPr lang="en-US" smtClean="0"/>
-              <a:t>1/6/2024</a:t>
+              <a:t>1/7/2024</a:t>
             </a:fld>
             <a:endParaRPr lang="en-US"/>
           </a:p>
@@ -3131,7 +3137,7 @@
           <a:p>
             <a:fld id="{5DBB3301-3368-48DB-89E4-CBEE2183E2F1}" type="datetimeFigureOut">
               <a:rPr lang="en-US" smtClean="0"/>
-              <a:t>1/6/2024</a:t>
+              <a:t>1/7/2024</a:t>
             </a:fld>
             <a:endParaRPr lang="en-US"/>
           </a:p>
@@ -4127,7 +4133,7 @@
         </p:nvSpPr>
         <p:spPr>
           <a:xfrm>
-            <a:off x="940836" y="500062"/>
+            <a:off x="942975" y="365125"/>
             <a:ext cx="10515600" cy="1325563"/>
           </a:xfrm>
         </p:spPr>
@@ -4172,8 +4178,15 @@
           <a:p>
             <a:r>
               <a:rPr lang="en-US" dirty="0"/>
-              <a:t> </a:t>
-            </a:r>
+              <a:t>Finding portal logo </a:t>
+            </a:r>
+            <a:r>
+              <a:rPr lang="en-US"/>
+              <a:t>and backdrop </a:t>
+            </a:r>
+            <a:endParaRPr lang="en-US" dirty="0"/>
+          </a:p>
+          <a:p>
             <a:r>
               <a:rPr lang="en-US" dirty="0" err="1"/>
               <a:t>Thymeleaf</a:t>
@@ -4488,6 +4501,102 @@
     <p:extLst>
       <p:ext uri="{BB962C8B-B14F-4D97-AF65-F5344CB8AC3E}">
         <p14:creationId xmlns:p14="http://schemas.microsoft.com/office/powerpoint/2010/main" val="2357958500"/>
+      </p:ext>
+    </p:extLst>
+  </p:cSld>
+  <p:clrMapOvr>
+    <a:masterClrMapping/>
+  </p:clrMapOvr>
+</p:sld>
+</file>
+
+<file path=ppt/slides/slide16.xml><?xml version="1.0" encoding="utf-8"?>
+<p:sld xmlns:a="http://schemas.openxmlformats.org/drawingml/2006/main" xmlns:r="http://schemas.openxmlformats.org/officeDocument/2006/relationships" xmlns:p="http://schemas.openxmlformats.org/presentationml/2006/main">
+  <p:cSld>
+    <p:spTree>
+      <p:nvGrpSpPr>
+        <p:cNvPr id="1" name=""/>
+        <p:cNvGrpSpPr/>
+        <p:nvPr/>
+      </p:nvGrpSpPr>
+      <p:grpSpPr>
+        <a:xfrm>
+          <a:off x="0" y="0"/>
+          <a:ext cx="0" cy="0"/>
+          <a:chOff x="0" y="0"/>
+          <a:chExt cx="0" cy="0"/>
+        </a:xfrm>
+      </p:grpSpPr>
+      <p:sp>
+        <p:nvSpPr>
+          <p:cNvPr id="2" name="Title 1">
+            <a:extLst>
+              <a:ext uri="{FF2B5EF4-FFF2-40B4-BE49-F238E27FC236}">
+                <a16:creationId xmlns:a16="http://schemas.microsoft.com/office/drawing/2014/main" id="{E370BAE7-D9B1-5021-DD71-9F8E645C783B}"/>
+              </a:ext>
+            </a:extLst>
+          </p:cNvPr>
+          <p:cNvSpPr>
+            <a:spLocks noGrp="1"/>
+          </p:cNvSpPr>
+          <p:nvPr>
+            <p:ph type="title"/>
+          </p:nvPr>
+        </p:nvSpPr>
+        <p:spPr/>
+        <p:txBody>
+          <a:bodyPr/>
+          <a:lstStyle/>
+          <a:p>
+            <a:r>
+              <a:rPr lang="en-US" dirty="0"/>
+              <a:t>Q n A ?</a:t>
+            </a:r>
+          </a:p>
+        </p:txBody>
+      </p:sp>
+      <p:pic>
+        <p:nvPicPr>
+          <p:cNvPr id="4" name="Content Placeholder 3" descr="A red heart with text&#10;&#10;Description automatically generated">
+            <a:extLst>
+              <a:ext uri="{FF2B5EF4-FFF2-40B4-BE49-F238E27FC236}">
+                <a16:creationId xmlns:a16="http://schemas.microsoft.com/office/drawing/2014/main" id="{604B3F76-66FC-731A-7ECF-3277A5FF1D8B}"/>
+              </a:ext>
+            </a:extLst>
+          </p:cNvPr>
+          <p:cNvPicPr>
+            <a:picLocks noGrp="1" noChangeAspect="1"/>
+          </p:cNvPicPr>
+          <p:nvPr>
+            <p:ph idx="1"/>
+          </p:nvPr>
+        </p:nvPicPr>
+        <p:blipFill>
+          <a:blip r:embed="rId2">
+            <a:extLst>
+              <a:ext uri="{28A0092B-C50C-407E-A947-70E740481C1C}">
+                <a14:useLocalDpi xmlns:a14="http://schemas.microsoft.com/office/drawing/2010/main" val="0"/>
+              </a:ext>
+            </a:extLst>
+          </a:blip>
+          <a:stretch>
+            <a:fillRect/>
+          </a:stretch>
+        </p:blipFill>
+        <p:spPr>
+          <a:xfrm>
+            <a:off x="3387009" y="648494"/>
+            <a:ext cx="5734050" cy="5734050"/>
+          </a:xfrm>
+          <a:prstGeom prst="rect">
+            <a:avLst/>
+          </a:prstGeom>
+        </p:spPr>
+      </p:pic>
+    </p:spTree>
+    <p:extLst>
+      <p:ext uri="{BB962C8B-B14F-4D97-AF65-F5344CB8AC3E}">
+        <p14:creationId xmlns:p14="http://schemas.microsoft.com/office/powerpoint/2010/main" val="3305085650"/>
       </p:ext>
     </p:extLst>
   </p:cSld>

--- a/doc/presentation/Care Connect.pptx
+++ b/doc/presentation/Care Connect.pptx
@@ -487,7 +487,7 @@
           <a:p>
             <a:fld id="{5DBB3301-3368-48DB-89E4-CBEE2183E2F1}" type="datetimeFigureOut">
               <a:rPr lang="en-US" smtClean="0"/>
-              <a:t>1/7/2024</a:t>
+              <a:t>1/8/2024</a:t>
             </a:fld>
             <a:endParaRPr lang="en-US"/>
           </a:p>
@@ -685,7 +685,7 @@
           <a:p>
             <a:fld id="{5DBB3301-3368-48DB-89E4-CBEE2183E2F1}" type="datetimeFigureOut">
               <a:rPr lang="en-US" smtClean="0"/>
-              <a:t>1/7/2024</a:t>
+              <a:t>1/8/2024</a:t>
             </a:fld>
             <a:endParaRPr lang="en-US"/>
           </a:p>
@@ -893,7 +893,7 @@
           <a:p>
             <a:fld id="{5DBB3301-3368-48DB-89E4-CBEE2183E2F1}" type="datetimeFigureOut">
               <a:rPr lang="en-US" smtClean="0"/>
-              <a:t>1/7/2024</a:t>
+              <a:t>1/8/2024</a:t>
             </a:fld>
             <a:endParaRPr lang="en-US"/>
           </a:p>
@@ -1091,7 +1091,7 @@
           <a:p>
             <a:fld id="{5DBB3301-3368-48DB-89E4-CBEE2183E2F1}" type="datetimeFigureOut">
               <a:rPr lang="en-US" smtClean="0"/>
-              <a:t>1/7/2024</a:t>
+              <a:t>1/8/2024</a:t>
             </a:fld>
             <a:endParaRPr lang="en-US"/>
           </a:p>
@@ -1366,7 +1366,7 @@
           <a:p>
             <a:fld id="{5DBB3301-3368-48DB-89E4-CBEE2183E2F1}" type="datetimeFigureOut">
               <a:rPr lang="en-US" smtClean="0"/>
-              <a:t>1/7/2024</a:t>
+              <a:t>1/8/2024</a:t>
             </a:fld>
             <a:endParaRPr lang="en-US"/>
           </a:p>
@@ -1631,7 +1631,7 @@
           <a:p>
             <a:fld id="{5DBB3301-3368-48DB-89E4-CBEE2183E2F1}" type="datetimeFigureOut">
               <a:rPr lang="en-US" smtClean="0"/>
-              <a:t>1/7/2024</a:t>
+              <a:t>1/8/2024</a:t>
             </a:fld>
             <a:endParaRPr lang="en-US"/>
           </a:p>
@@ -2043,7 +2043,7 @@
           <a:p>
             <a:fld id="{5DBB3301-3368-48DB-89E4-CBEE2183E2F1}" type="datetimeFigureOut">
               <a:rPr lang="en-US" smtClean="0"/>
-              <a:t>1/7/2024</a:t>
+              <a:t>1/8/2024</a:t>
             </a:fld>
             <a:endParaRPr lang="en-US"/>
           </a:p>
@@ -2184,7 +2184,7 @@
           <a:p>
             <a:fld id="{5DBB3301-3368-48DB-89E4-CBEE2183E2F1}" type="datetimeFigureOut">
               <a:rPr lang="en-US" smtClean="0"/>
-              <a:t>1/7/2024</a:t>
+              <a:t>1/8/2024</a:t>
             </a:fld>
             <a:endParaRPr lang="en-US"/>
           </a:p>
@@ -2297,7 +2297,7 @@
           <a:p>
             <a:fld id="{5DBB3301-3368-48DB-89E4-CBEE2183E2F1}" type="datetimeFigureOut">
               <a:rPr lang="en-US" smtClean="0"/>
-              <a:t>1/7/2024</a:t>
+              <a:t>1/8/2024</a:t>
             </a:fld>
             <a:endParaRPr lang="en-US"/>
           </a:p>
@@ -2608,7 +2608,7 @@
           <a:p>
             <a:fld id="{5DBB3301-3368-48DB-89E4-CBEE2183E2F1}" type="datetimeFigureOut">
               <a:rPr lang="en-US" smtClean="0"/>
-              <a:t>1/7/2024</a:t>
+              <a:t>1/8/2024</a:t>
             </a:fld>
             <a:endParaRPr lang="en-US"/>
           </a:p>
@@ -2896,7 +2896,7 @@
           <a:p>
             <a:fld id="{5DBB3301-3368-48DB-89E4-CBEE2183E2F1}" type="datetimeFigureOut">
               <a:rPr lang="en-US" smtClean="0"/>
-              <a:t>1/7/2024</a:t>
+              <a:t>1/8/2024</a:t>
             </a:fld>
             <a:endParaRPr lang="en-US"/>
           </a:p>
@@ -3137,7 +3137,7 @@
           <a:p>
             <a:fld id="{5DBB3301-3368-48DB-89E4-CBEE2183E2F1}" type="datetimeFigureOut">
               <a:rPr lang="en-US" smtClean="0"/>
-              <a:t>1/7/2024</a:t>
+              <a:t>1/8/2024</a:t>
             </a:fld>
             <a:endParaRPr lang="en-US"/>
           </a:p>
@@ -3609,7 +3609,7 @@
             </a:r>
             <a:r>
               <a:rPr lang="en-US" dirty="0"/>
-              <a:t>: </a:t>
+              <a:t>:  </a:t>
             </a:r>
             <a:r>
               <a:rPr lang="en-US" dirty="0" err="1"/>
@@ -4991,7 +4991,7 @@
             </a:pPr>
             <a:r>
               <a:rPr lang="en-US" sz="2400" dirty="0"/>
-              <a:t>     </a:t>
+              <a:t>      </a:t>
             </a:r>
             <a:r>
               <a:rPr lang="en-US" sz="2400" dirty="0" err="1"/>
